--- a/docs/fase2/relatorio/myStreet.pptx
+++ b/docs/fase2/relatorio/myStreet.pptx
@@ -274,6 +274,7 @@
           <a:p>
             <a:fld id="{588C7687-5EDF-4AA9-BD1C-81402CE562A2}" type="datetimeFigureOut">
               <a:rPr lang="pt-PT" smtClean="0"/>
+              <a:pPr/>
               <a:t>16-04-2013</a:t>
             </a:fld>
             <a:endParaRPr lang="pt-PT"/>
@@ -1020,6 +1021,7 @@
           <a:p>
             <a:fld id="{9006E873-8FB2-4696-A080-76C8B79323E9}" type="slidenum">
               <a:rPr lang="pt-PT" smtClean="0"/>
+              <a:pPr/>
               <a:t>‹nº›</a:t>
             </a:fld>
             <a:endParaRPr lang="pt-PT"/>
@@ -1143,6 +1145,7 @@
           <a:p>
             <a:fld id="{588C7687-5EDF-4AA9-BD1C-81402CE562A2}" type="datetimeFigureOut">
               <a:rPr lang="pt-PT" smtClean="0"/>
+              <a:pPr/>
               <a:t>16-04-2013</a:t>
             </a:fld>
             <a:endParaRPr lang="pt-PT"/>
@@ -1185,6 +1188,7 @@
           <a:p>
             <a:fld id="{9006E873-8FB2-4696-A080-76C8B79323E9}" type="slidenum">
               <a:rPr lang="pt-PT" smtClean="0"/>
+              <a:pPr/>
               <a:t>‹nº›</a:t>
             </a:fld>
             <a:endParaRPr lang="pt-PT"/>
@@ -1318,6 +1322,7 @@
           <a:p>
             <a:fld id="{588C7687-5EDF-4AA9-BD1C-81402CE562A2}" type="datetimeFigureOut">
               <a:rPr lang="pt-PT" smtClean="0"/>
+              <a:pPr/>
               <a:t>16-04-2013</a:t>
             </a:fld>
             <a:endParaRPr lang="pt-PT"/>
@@ -1360,6 +1365,7 @@
           <a:p>
             <a:fld id="{9006E873-8FB2-4696-A080-76C8B79323E9}" type="slidenum">
               <a:rPr lang="pt-PT" smtClean="0"/>
+              <a:pPr/>
               <a:t>‹nº›</a:t>
             </a:fld>
             <a:endParaRPr lang="pt-PT"/>
@@ -1488,6 +1494,7 @@
           <a:p>
             <a:fld id="{588C7687-5EDF-4AA9-BD1C-81402CE562A2}" type="datetimeFigureOut">
               <a:rPr lang="pt-PT" smtClean="0"/>
+              <a:pPr/>
               <a:t>16-04-2013</a:t>
             </a:fld>
             <a:endParaRPr lang="pt-PT"/>
@@ -1511,6 +1518,7 @@
           <a:p>
             <a:fld id="{9006E873-8FB2-4696-A080-76C8B79323E9}" type="slidenum">
               <a:rPr lang="pt-PT" smtClean="0"/>
+              <a:pPr/>
               <a:t>‹nº›</a:t>
             </a:fld>
             <a:endParaRPr lang="pt-PT"/>
@@ -1698,6 +1706,7 @@
           <a:p>
             <a:fld id="{588C7687-5EDF-4AA9-BD1C-81402CE562A2}" type="datetimeFigureOut">
               <a:rPr lang="pt-PT" smtClean="0"/>
+              <a:pPr/>
               <a:t>16-04-2013</a:t>
             </a:fld>
             <a:endParaRPr lang="pt-PT"/>
@@ -2441,6 +2450,7 @@
           <a:p>
             <a:fld id="{9006E873-8FB2-4696-A080-76C8B79323E9}" type="slidenum">
               <a:rPr lang="pt-PT" smtClean="0"/>
+              <a:pPr/>
               <a:t>‹nº›</a:t>
             </a:fld>
             <a:endParaRPr lang="pt-PT"/>
@@ -2512,6 +2522,7 @@
           <a:p>
             <a:fld id="{588C7687-5EDF-4AA9-BD1C-81402CE562A2}" type="datetimeFigureOut">
               <a:rPr lang="pt-PT" smtClean="0"/>
+              <a:pPr/>
               <a:t>16-04-2013</a:t>
             </a:fld>
             <a:endParaRPr lang="pt-PT"/>
@@ -2554,6 +2565,7 @@
           <a:p>
             <a:fld id="{9006E873-8FB2-4696-A080-76C8B79323E9}" type="slidenum">
               <a:rPr lang="pt-PT" smtClean="0"/>
+              <a:pPr/>
               <a:t>‹nº›</a:t>
             </a:fld>
             <a:endParaRPr lang="pt-PT"/>
@@ -2748,6 +2760,7 @@
           <a:p>
             <a:fld id="{588C7687-5EDF-4AA9-BD1C-81402CE562A2}" type="datetimeFigureOut">
               <a:rPr lang="pt-PT" smtClean="0"/>
+              <a:pPr/>
               <a:t>16-04-2013</a:t>
             </a:fld>
             <a:endParaRPr lang="pt-PT"/>
@@ -2790,6 +2803,7 @@
           <a:p>
             <a:fld id="{9006E873-8FB2-4696-A080-76C8B79323E9}" type="slidenum">
               <a:rPr lang="pt-PT" smtClean="0"/>
+              <a:pPr/>
               <a:t>‹nº›</a:t>
             </a:fld>
             <a:endParaRPr lang="pt-PT"/>
@@ -3071,6 +3085,7 @@
           <a:p>
             <a:fld id="{588C7687-5EDF-4AA9-BD1C-81402CE562A2}" type="datetimeFigureOut">
               <a:rPr lang="pt-PT" smtClean="0"/>
+              <a:pPr/>
               <a:t>16-04-2013</a:t>
             </a:fld>
             <a:endParaRPr lang="pt-PT"/>
@@ -3094,6 +3109,7 @@
           <a:p>
             <a:fld id="{9006E873-8FB2-4696-A080-76C8B79323E9}" type="slidenum">
               <a:rPr lang="pt-PT" smtClean="0"/>
+              <a:pPr/>
               <a:t>‹nº›</a:t>
             </a:fld>
             <a:endParaRPr lang="pt-PT"/>
@@ -3161,6 +3177,7 @@
           <a:p>
             <a:fld id="{588C7687-5EDF-4AA9-BD1C-81402CE562A2}" type="datetimeFigureOut">
               <a:rPr lang="pt-PT" smtClean="0"/>
+              <a:pPr/>
               <a:t>16-04-2013</a:t>
             </a:fld>
             <a:endParaRPr lang="pt-PT"/>
@@ -3203,6 +3220,7 @@
           <a:p>
             <a:fld id="{9006E873-8FB2-4696-A080-76C8B79323E9}" type="slidenum">
               <a:rPr lang="pt-PT" smtClean="0"/>
+              <a:pPr/>
               <a:t>‹nº›</a:t>
             </a:fld>
             <a:endParaRPr lang="pt-PT"/>
@@ -3678,6 +3696,7 @@
           <a:p>
             <a:fld id="{588C7687-5EDF-4AA9-BD1C-81402CE562A2}" type="datetimeFigureOut">
               <a:rPr lang="pt-PT" smtClean="0"/>
+              <a:pPr/>
               <a:t>16-04-2013</a:t>
             </a:fld>
             <a:endParaRPr lang="pt-PT"/>
@@ -3701,6 +3720,7 @@
           <a:p>
             <a:fld id="{9006E873-8FB2-4696-A080-76C8B79323E9}" type="slidenum">
               <a:rPr lang="pt-PT" smtClean="0"/>
+              <a:pPr/>
               <a:t>‹nº›</a:t>
             </a:fld>
             <a:endParaRPr lang="pt-PT"/>
@@ -4189,6 +4209,7 @@
           <a:p>
             <a:fld id="{588C7687-5EDF-4AA9-BD1C-81402CE562A2}" type="datetimeFigureOut">
               <a:rPr lang="pt-PT" smtClean="0"/>
+              <a:pPr/>
               <a:t>16-04-2013</a:t>
             </a:fld>
             <a:endParaRPr lang="pt-PT"/>
@@ -4212,6 +4233,7 @@
           <a:p>
             <a:fld id="{9006E873-8FB2-4696-A080-76C8B79323E9}" type="slidenum">
               <a:rPr lang="pt-PT" smtClean="0"/>
+              <a:pPr/>
               <a:t>‹nº›</a:t>
             </a:fld>
             <a:endParaRPr lang="pt-PT"/>
@@ -4434,6 +4456,7 @@
           <a:p>
             <a:fld id="{588C7687-5EDF-4AA9-BD1C-81402CE562A2}" type="datetimeFigureOut">
               <a:rPr lang="pt-PT" smtClean="0"/>
+              <a:pPr/>
               <a:t>16-04-2013</a:t>
             </a:fld>
             <a:endParaRPr lang="pt-PT"/>
@@ -4710,6 +4733,7 @@
           <a:p>
             <a:fld id="{9006E873-8FB2-4696-A080-76C8B79323E9}" type="slidenum">
               <a:rPr lang="pt-PT" smtClean="0"/>
+              <a:pPr/>
               <a:t>‹nº›</a:t>
             </a:fld>
             <a:endParaRPr lang="pt-PT"/>
@@ -5056,11 +5080,7 @@
           <a:p>
             <a:r>
               <a:rPr lang="pt-PT" dirty="0" err="1" smtClean="0"/>
-              <a:t>m</a:t>
-            </a:r>
-            <a:r>
-              <a:rPr lang="pt-PT" dirty="0" err="1" smtClean="0"/>
-              <a:t>yStreet</a:t>
+              <a:t>myStreet</a:t>
             </a:r>
             <a:endParaRPr lang="pt-PT" dirty="0"/>
           </a:p>
@@ -5568,12 +5588,8 @@
               <a:t>UML – D.A. – Comentar </a:t>
             </a:r>
             <a:r>
-              <a:rPr lang="pt-PT" dirty="0" err="1" smtClean="0"/>
-              <a:t>Ocurrência</a:t>
-            </a:r>
-            <a:r>
               <a:rPr lang="pt-PT" dirty="0" smtClean="0"/>
-              <a:t> </a:t>
+              <a:t>Ocorrência </a:t>
             </a:r>
             <a:endParaRPr lang="pt-PT" dirty="0"/>
           </a:p>
@@ -5647,8 +5663,8 @@
               <a:t>UML – D.A. – Criar </a:t>
             </a:r>
             <a:r>
-              <a:rPr lang="pt-PT" dirty="0" err="1" smtClean="0"/>
-              <a:t>Ocurrência</a:t>
+              <a:rPr lang="pt-PT" dirty="0" smtClean="0"/>
+              <a:t>Ocorrência</a:t>
             </a:r>
             <a:endParaRPr lang="pt-PT" dirty="0"/>
           </a:p>
@@ -5793,8 +5809,8 @@
               <a:t>UML – D.A. – Procurar </a:t>
             </a:r>
             <a:r>
-              <a:rPr lang="pt-PT" dirty="0" err="1" smtClean="0"/>
-              <a:t>Ocurrências</a:t>
+              <a:rPr lang="pt-PT" dirty="0" smtClean="0"/>
+              <a:t>Ocorrências</a:t>
             </a:r>
             <a:endParaRPr lang="pt-PT" dirty="0"/>
           </a:p>
@@ -6040,12 +6056,8 @@
               <a:t>UML – D.S. – Classificar </a:t>
             </a:r>
             <a:r>
-              <a:rPr lang="pt-PT" dirty="0" err="1" smtClean="0"/>
-              <a:t>Ocurrência</a:t>
-            </a:r>
-            <a:r>
               <a:rPr lang="pt-PT" dirty="0" smtClean="0"/>
-              <a:t> </a:t>
+              <a:t>Ocorrência </a:t>
             </a:r>
             <a:endParaRPr lang="pt-PT" dirty="0"/>
           </a:p>
@@ -6116,15 +6128,11 @@
           <a:p>
             <a:r>
               <a:rPr lang="pt-PT" dirty="0" smtClean="0"/>
-              <a:t>UML – D.S. </a:t>
+              <a:t>UML – D.S. – Comentar </a:t>
             </a:r>
             <a:r>
               <a:rPr lang="pt-PT" dirty="0" smtClean="0"/>
-              <a:t>– Comentar </a:t>
-            </a:r>
-            <a:r>
-              <a:rPr lang="pt-PT" dirty="0" err="1" smtClean="0"/>
-              <a:t>Ocurrência</a:t>
+              <a:t>Ocorrência</a:t>
             </a:r>
             <a:endParaRPr lang="pt-PT" dirty="0"/>
           </a:p>
@@ -6195,15 +6203,11 @@
           <a:p>
             <a:r>
               <a:rPr lang="pt-PT" dirty="0" smtClean="0"/>
-              <a:t>UML – D.S. </a:t>
+              <a:t>UML – D.S. – Consultar </a:t>
             </a:r>
             <a:r>
               <a:rPr lang="pt-PT" dirty="0" smtClean="0"/>
-              <a:t>– Consultar </a:t>
-            </a:r>
-            <a:r>
-              <a:rPr lang="pt-PT" dirty="0" err="1" smtClean="0"/>
-              <a:t>Estatisticas</a:t>
+              <a:t>Estatísticas</a:t>
             </a:r>
             <a:endParaRPr lang="pt-PT" dirty="0"/>
           </a:p>
@@ -6274,15 +6278,11 @@
           <a:p>
             <a:r>
               <a:rPr lang="pt-PT" dirty="0" smtClean="0"/>
-              <a:t>UML – D.S. </a:t>
+              <a:t>UML – D.S. – Consultar </a:t>
             </a:r>
             <a:r>
               <a:rPr lang="pt-PT" dirty="0" smtClean="0"/>
-              <a:t>– Consultar </a:t>
-            </a:r>
-            <a:r>
-              <a:rPr lang="pt-PT" dirty="0" err="1" smtClean="0"/>
-              <a:t>Ocurrências</a:t>
+              <a:t>Ocorrências</a:t>
             </a:r>
             <a:endParaRPr lang="pt-PT" dirty="0"/>
           </a:p>
@@ -6353,11 +6353,7 @@
           <a:p>
             <a:r>
               <a:rPr lang="pt-PT" dirty="0" smtClean="0"/>
-              <a:t>UML – D.S. </a:t>
-            </a:r>
-            <a:r>
-              <a:rPr lang="pt-PT" dirty="0" smtClean="0"/>
-              <a:t>– Criar Perfil</a:t>
+              <a:t>UML – D.S. – Criar Perfil</a:t>
             </a:r>
             <a:endParaRPr lang="pt-PT" dirty="0"/>
           </a:p>
@@ -6428,11 +6424,7 @@
           <a:p>
             <a:r>
               <a:rPr lang="pt-PT" dirty="0" smtClean="0"/>
-              <a:t>UML – D.S. - </a:t>
-            </a:r>
-            <a:r>
-              <a:rPr lang="pt-PT" dirty="0" smtClean="0"/>
-              <a:t>Definir Funcionários</a:t>
+              <a:t>UML – D.S. - Definir Funcionários</a:t>
             </a:r>
             <a:endParaRPr lang="pt-PT" dirty="0"/>
           </a:p>
@@ -6503,11 +6495,7 @@
           <a:p>
             <a:r>
               <a:rPr lang="pt-PT" dirty="0" smtClean="0"/>
-              <a:t>UML – D.S. </a:t>
-            </a:r>
-            <a:r>
-              <a:rPr lang="pt-PT" dirty="0" smtClean="0"/>
-              <a:t>– Editar Perfil</a:t>
+              <a:t>UML – D.S. – Editar Perfil</a:t>
             </a:r>
             <a:endParaRPr lang="pt-PT" dirty="0"/>
           </a:p>
@@ -6578,15 +6566,11 @@
           <a:p>
             <a:r>
               <a:rPr lang="pt-PT" dirty="0" smtClean="0"/>
-              <a:t>UML – D.S. </a:t>
+              <a:t>UML – D.S. – Fechar </a:t>
             </a:r>
             <a:r>
               <a:rPr lang="pt-PT" dirty="0" smtClean="0"/>
-              <a:t>– Fechar </a:t>
-            </a:r>
-            <a:r>
-              <a:rPr lang="pt-PT" dirty="0" err="1" smtClean="0"/>
-              <a:t>Ocurrência</a:t>
+              <a:t>Ocorrência</a:t>
             </a:r>
             <a:endParaRPr lang="pt-PT" dirty="0"/>
           </a:p>
@@ -6657,11 +6641,7 @@
           <a:p>
             <a:r>
               <a:rPr lang="pt-PT" dirty="0" smtClean="0"/>
-              <a:t>UML – D.S. - </a:t>
-            </a:r>
-            <a:r>
-              <a:rPr lang="pt-PT" dirty="0" smtClean="0"/>
-              <a:t>Login</a:t>
+              <a:t>UML – D.S. - Login</a:t>
             </a:r>
             <a:endParaRPr lang="pt-PT" dirty="0"/>
           </a:p>
@@ -6775,7 +6755,6 @@
               <a:rPr lang="pt-PT" dirty="0" smtClean="0"/>
               <a:t>Promover debates.</a:t>
             </a:r>
-            <a:endParaRPr lang="pt-PT" dirty="0" smtClean="0"/>
           </a:p>
         </p:txBody>
       </p:sp>
@@ -6821,15 +6800,11 @@
           <a:p>
             <a:r>
               <a:rPr lang="pt-PT" dirty="0" smtClean="0"/>
-              <a:t>UML – D.S. </a:t>
-            </a:r>
-            <a:r>
-              <a:rPr lang="pt-PT" dirty="0" smtClean="0"/>
-              <a:t>– Realizar </a:t>
+              <a:t>UML – D.S. – Realizar </a:t>
             </a:r>
             <a:r>
               <a:rPr lang="pt-PT" dirty="0" err="1" smtClean="0"/>
-              <a:t>Updates</a:t>
+              <a:t>Actualizações</a:t>
             </a:r>
             <a:endParaRPr lang="pt-PT" dirty="0"/>
           </a:p>
@@ -6900,15 +6875,15 @@
           <a:p>
             <a:r>
               <a:rPr lang="pt-PT" dirty="0" smtClean="0"/>
-              <a:t>UML – D.S. </a:t>
-            </a:r>
-            <a:r>
-              <a:rPr lang="pt-PT" dirty="0" smtClean="0"/>
-              <a:t>– Reportar </a:t>
-            </a:r>
-            <a:r>
-              <a:rPr lang="pt-PT" dirty="0" err="1" smtClean="0"/>
-              <a:t>Ocurrência</a:t>
+              <a:t>UML – D.S. – </a:t>
+            </a:r>
+            <a:r>
+              <a:rPr lang="pt-PT" smtClean="0"/>
+              <a:t>Reportar </a:t>
+            </a:r>
+            <a:r>
+              <a:rPr lang="pt-PT" smtClean="0"/>
+              <a:t>Ocorrência</a:t>
             </a:r>
             <a:endParaRPr lang="pt-PT" dirty="0"/>
           </a:p>

--- a/docs/fase2/relatorio/myStreet.pptx
+++ b/docs/fase2/relatorio/myStreet.pptx
@@ -5106,10 +5106,144 @@
               <a:t>Análise de </a:t>
             </a:r>
             <a:r>
-              <a:rPr lang="pt-PT" dirty="0" err="1" smtClean="0"/>
-              <a:t>requesitos</a:t>
-            </a:r>
+              <a:rPr lang="pt-PT" dirty="0" smtClean="0"/>
+              <a:t>requisitos</a:t>
+            </a:r>
+          </a:p>
+          <a:p>
             <a:endParaRPr lang="pt-PT" dirty="0"/>
+          </a:p>
+        </p:txBody>
+      </p:sp>
+      <p:sp>
+        <p:nvSpPr>
+          <p:cNvPr id="4" name="CaixaDeTexto 3"/>
+          <p:cNvSpPr txBox="1"/>
+          <p:nvPr/>
+        </p:nvSpPr>
+        <p:spPr>
+          <a:xfrm>
+            <a:off x="5724128" y="4653136"/>
+            <a:ext cx="2880320" cy="2031325"/>
+          </a:xfrm>
+          <a:prstGeom prst="rect">
+            <a:avLst/>
+          </a:prstGeom>
+          <a:noFill/>
+        </p:spPr>
+        <p:txBody>
+          <a:bodyPr wrap="square" rtlCol="0">
+            <a:spAutoFit/>
+          </a:bodyPr>
+          <a:lstStyle/>
+          <a:p>
+            <a:r>
+              <a:rPr lang="pt-PT" b="1" dirty="0" smtClean="0">
+                <a:solidFill>
+                  <a:schemeClr val="accent6"/>
+                </a:solidFill>
+              </a:rPr>
+              <a:t>-G22-</a:t>
+            </a:r>
+            <a:endParaRPr lang="pt-PT" b="1" dirty="0" smtClean="0">
+              <a:solidFill>
+                <a:schemeClr val="accent6"/>
+              </a:solidFill>
+            </a:endParaRPr>
+          </a:p>
+          <a:p>
+            <a:r>
+              <a:rPr lang="pt-PT" dirty="0" smtClean="0">
+                <a:solidFill>
+                  <a:schemeClr val="accent6"/>
+                </a:solidFill>
+              </a:rPr>
+              <a:t>Rui </a:t>
+            </a:r>
+            <a:r>
+              <a:rPr lang="pt-PT" dirty="0" smtClean="0">
+                <a:solidFill>
+                  <a:schemeClr val="accent6"/>
+                </a:solidFill>
+              </a:rPr>
+              <a:t>Silva </a:t>
+            </a:r>
+          </a:p>
+          <a:p>
+            <a:r>
+              <a:rPr lang="pt-PT" dirty="0" smtClean="0">
+                <a:solidFill>
+                  <a:schemeClr val="accent6"/>
+                </a:solidFill>
+              </a:rPr>
+              <a:t>Miguel </a:t>
+            </a:r>
+            <a:r>
+              <a:rPr lang="pt-PT" dirty="0" smtClean="0">
+                <a:solidFill>
+                  <a:schemeClr val="accent6"/>
+                </a:solidFill>
+              </a:rPr>
+              <a:t>Fernandes  </a:t>
+            </a:r>
+            <a:endParaRPr lang="pt-PT" dirty="0" smtClean="0">
+              <a:solidFill>
+                <a:schemeClr val="accent6"/>
+              </a:solidFill>
+            </a:endParaRPr>
+          </a:p>
+          <a:p>
+            <a:r>
+              <a:rPr lang="pt-PT" dirty="0" smtClean="0">
+                <a:solidFill>
+                  <a:schemeClr val="accent6"/>
+                </a:solidFill>
+              </a:rPr>
+              <a:t>Bruno Matos </a:t>
+            </a:r>
+          </a:p>
+          <a:p>
+            <a:r>
+              <a:rPr lang="pt-PT" dirty="0" smtClean="0">
+                <a:solidFill>
+                  <a:schemeClr val="accent6"/>
+                </a:solidFill>
+              </a:rPr>
+              <a:t>Jorge Rodrigues </a:t>
+            </a:r>
+          </a:p>
+          <a:p>
+            <a:r>
+              <a:rPr lang="pt-PT" dirty="0" smtClean="0">
+                <a:solidFill>
+                  <a:schemeClr val="accent6"/>
+                </a:solidFill>
+              </a:rPr>
+              <a:t>Carlos </a:t>
+            </a:r>
+            <a:r>
+              <a:rPr lang="pt-PT" dirty="0" err="1" smtClean="0">
+                <a:solidFill>
+                  <a:schemeClr val="accent6"/>
+                </a:solidFill>
+              </a:rPr>
+              <a:t>Cosio</a:t>
+            </a:r>
+            <a:r>
+              <a:rPr lang="pt-PT" dirty="0" smtClean="0">
+                <a:solidFill>
+                  <a:schemeClr val="accent6"/>
+                </a:solidFill>
+              </a:rPr>
+              <a:t> 	</a:t>
+            </a:r>
+          </a:p>
+          <a:p>
+            <a:endParaRPr lang="pt-PT" dirty="0">
+              <a:solidFill>
+                <a:schemeClr val="accent6"/>
+              </a:solidFill>
+            </a:endParaRPr>
           </a:p>
         </p:txBody>
       </p:sp>
@@ -5158,8 +5292,8 @@
               <a:t>Especificações UML – Diagrama </a:t>
             </a:r>
             <a:r>
-              <a:rPr lang="pt-PT" dirty="0" err="1" smtClean="0"/>
-              <a:t>Dominio</a:t>
+              <a:rPr lang="pt-PT" dirty="0" smtClean="0"/>
+              <a:t>Domínio</a:t>
             </a:r>
             <a:endParaRPr lang="pt-PT" dirty="0"/>
           </a:p>
@@ -5585,11 +5719,7 @@
           <a:p>
             <a:r>
               <a:rPr lang="pt-PT" dirty="0" smtClean="0"/>
-              <a:t>UML – D.A. – Comentar </a:t>
-            </a:r>
-            <a:r>
-              <a:rPr lang="pt-PT" dirty="0" smtClean="0"/>
-              <a:t>Ocorrência </a:t>
+              <a:t>UML – D.A. – Comentar Ocorrência </a:t>
             </a:r>
             <a:endParaRPr lang="pt-PT" dirty="0"/>
           </a:p>
@@ -5660,11 +5790,7 @@
           <a:p>
             <a:r>
               <a:rPr lang="pt-PT" dirty="0" smtClean="0"/>
-              <a:t>UML – D.A. – Criar </a:t>
-            </a:r>
-            <a:r>
-              <a:rPr lang="pt-PT" dirty="0" smtClean="0"/>
-              <a:t>Ocorrência</a:t>
+              <a:t>UML – D.A. – Criar Ocorrência</a:t>
             </a:r>
             <a:endParaRPr lang="pt-PT" dirty="0"/>
           </a:p>
@@ -5806,11 +5932,7 @@
           <a:p>
             <a:r>
               <a:rPr lang="pt-PT" dirty="0" smtClean="0"/>
-              <a:t>UML – D.A. – Procurar </a:t>
-            </a:r>
-            <a:r>
-              <a:rPr lang="pt-PT" dirty="0" smtClean="0"/>
-              <a:t>Ocorrências</a:t>
+              <a:t>UML – D.A. – Procurar Ocorrências</a:t>
             </a:r>
             <a:endParaRPr lang="pt-PT" dirty="0"/>
           </a:p>
@@ -6053,11 +6175,7 @@
           <a:p>
             <a:r>
               <a:rPr lang="pt-PT" dirty="0" smtClean="0"/>
-              <a:t>UML – D.S. – Classificar </a:t>
-            </a:r>
-            <a:r>
-              <a:rPr lang="pt-PT" dirty="0" smtClean="0"/>
-              <a:t>Ocorrência </a:t>
+              <a:t>UML – D.S. – Classificar Ocorrência </a:t>
             </a:r>
             <a:endParaRPr lang="pt-PT" dirty="0"/>
           </a:p>
@@ -6128,11 +6246,7 @@
           <a:p>
             <a:r>
               <a:rPr lang="pt-PT" dirty="0" smtClean="0"/>
-              <a:t>UML – D.S. – Comentar </a:t>
-            </a:r>
-            <a:r>
-              <a:rPr lang="pt-PT" dirty="0" smtClean="0"/>
-              <a:t>Ocorrência</a:t>
+              <a:t>UML – D.S. – Comentar Ocorrência</a:t>
             </a:r>
             <a:endParaRPr lang="pt-PT" dirty="0"/>
           </a:p>
@@ -6203,11 +6317,7 @@
           <a:p>
             <a:r>
               <a:rPr lang="pt-PT" dirty="0" smtClean="0"/>
-              <a:t>UML – D.S. – Consultar </a:t>
-            </a:r>
-            <a:r>
-              <a:rPr lang="pt-PT" dirty="0" smtClean="0"/>
-              <a:t>Estatísticas</a:t>
+              <a:t>UML – D.S. – Consultar Estatísticas</a:t>
             </a:r>
             <a:endParaRPr lang="pt-PT" dirty="0"/>
           </a:p>
@@ -6278,11 +6388,7 @@
           <a:p>
             <a:r>
               <a:rPr lang="pt-PT" dirty="0" smtClean="0"/>
-              <a:t>UML – D.S. – Consultar </a:t>
-            </a:r>
-            <a:r>
-              <a:rPr lang="pt-PT" dirty="0" smtClean="0"/>
-              <a:t>Ocorrências</a:t>
+              <a:t>UML – D.S. – Consultar Ocorrências</a:t>
             </a:r>
             <a:endParaRPr lang="pt-PT" dirty="0"/>
           </a:p>
@@ -6566,11 +6672,7 @@
           <a:p>
             <a:r>
               <a:rPr lang="pt-PT" dirty="0" smtClean="0"/>
-              <a:t>UML – D.S. – Fechar </a:t>
-            </a:r>
-            <a:r>
-              <a:rPr lang="pt-PT" dirty="0" smtClean="0"/>
-              <a:t>Ocorrência</a:t>
+              <a:t>UML – D.S. – Fechar Ocorrência</a:t>
             </a:r>
             <a:endParaRPr lang="pt-PT" dirty="0"/>
           </a:p>
@@ -6803,8 +6905,8 @@
               <a:t>UML – D.S. – Realizar </a:t>
             </a:r>
             <a:r>
-              <a:rPr lang="pt-PT" dirty="0" err="1" smtClean="0"/>
-              <a:t>Actualizações</a:t>
+              <a:rPr lang="pt-PT" dirty="0" smtClean="0"/>
+              <a:t>Atualizações</a:t>
             </a:r>
             <a:endParaRPr lang="pt-PT" dirty="0"/>
           </a:p>
@@ -6879,11 +6981,7 @@
             </a:r>
             <a:r>
               <a:rPr lang="pt-PT" smtClean="0"/>
-              <a:t>Reportar </a:t>
-            </a:r>
-            <a:r>
-              <a:rPr lang="pt-PT" smtClean="0"/>
-              <a:t>Ocorrência</a:t>
+              <a:t>Reportar Ocorrência</a:t>
             </a:r>
             <a:endParaRPr lang="pt-PT" dirty="0"/>
           </a:p>

--- a/docs/fase2/relatorio/myStreet.pptx
+++ b/docs/fase2/relatorio/myStreet.pptx
@@ -275,7 +275,7 @@
             <a:fld id="{588C7687-5EDF-4AA9-BD1C-81402CE562A2}" type="datetimeFigureOut">
               <a:rPr lang="pt-PT" smtClean="0"/>
               <a:pPr/>
-              <a:t>16-04-2013</a:t>
+              <a:t>16/04/13</a:t>
             </a:fld>
             <a:endParaRPr lang="pt-PT"/>
           </a:p>
@@ -1022,7 +1022,7 @@
             <a:fld id="{9006E873-8FB2-4696-A080-76C8B79323E9}" type="slidenum">
               <a:rPr lang="pt-PT" smtClean="0"/>
               <a:pPr/>
-              <a:t>‹nº›</a:t>
+              <a:t>‹#›</a:t>
             </a:fld>
             <a:endParaRPr lang="pt-PT"/>
           </a:p>
@@ -1146,7 +1146,7 @@
             <a:fld id="{588C7687-5EDF-4AA9-BD1C-81402CE562A2}" type="datetimeFigureOut">
               <a:rPr lang="pt-PT" smtClean="0"/>
               <a:pPr/>
-              <a:t>16-04-2013</a:t>
+              <a:t>16/04/13</a:t>
             </a:fld>
             <a:endParaRPr lang="pt-PT"/>
           </a:p>
@@ -1189,7 +1189,7 @@
             <a:fld id="{9006E873-8FB2-4696-A080-76C8B79323E9}" type="slidenum">
               <a:rPr lang="pt-PT" smtClean="0"/>
               <a:pPr/>
-              <a:t>‹nº›</a:t>
+              <a:t>‹#›</a:t>
             </a:fld>
             <a:endParaRPr lang="pt-PT"/>
           </a:p>
@@ -1323,7 +1323,7 @@
             <a:fld id="{588C7687-5EDF-4AA9-BD1C-81402CE562A2}" type="datetimeFigureOut">
               <a:rPr lang="pt-PT" smtClean="0"/>
               <a:pPr/>
-              <a:t>16-04-2013</a:t>
+              <a:t>16/04/13</a:t>
             </a:fld>
             <a:endParaRPr lang="pt-PT"/>
           </a:p>
@@ -1366,7 +1366,7 @@
             <a:fld id="{9006E873-8FB2-4696-A080-76C8B79323E9}" type="slidenum">
               <a:rPr lang="pt-PT" smtClean="0"/>
               <a:pPr/>
-              <a:t>‹nº›</a:t>
+              <a:t>‹#›</a:t>
             </a:fld>
             <a:endParaRPr lang="pt-PT"/>
           </a:p>
@@ -1495,7 +1495,7 @@
             <a:fld id="{588C7687-5EDF-4AA9-BD1C-81402CE562A2}" type="datetimeFigureOut">
               <a:rPr lang="pt-PT" smtClean="0"/>
               <a:pPr/>
-              <a:t>16-04-2013</a:t>
+              <a:t>16/04/13</a:t>
             </a:fld>
             <a:endParaRPr lang="pt-PT"/>
           </a:p>
@@ -1519,7 +1519,7 @@
             <a:fld id="{9006E873-8FB2-4696-A080-76C8B79323E9}" type="slidenum">
               <a:rPr lang="pt-PT" smtClean="0"/>
               <a:pPr/>
-              <a:t>‹nº›</a:t>
+              <a:t>‹#›</a:t>
             </a:fld>
             <a:endParaRPr lang="pt-PT"/>
           </a:p>
@@ -1707,7 +1707,7 @@
             <a:fld id="{588C7687-5EDF-4AA9-BD1C-81402CE562A2}" type="datetimeFigureOut">
               <a:rPr lang="pt-PT" smtClean="0"/>
               <a:pPr/>
-              <a:t>16-04-2013</a:t>
+              <a:t>16/04/13</a:t>
             </a:fld>
             <a:endParaRPr lang="pt-PT"/>
           </a:p>
@@ -2451,7 +2451,7 @@
             <a:fld id="{9006E873-8FB2-4696-A080-76C8B79323E9}" type="slidenum">
               <a:rPr lang="pt-PT" smtClean="0"/>
               <a:pPr/>
-              <a:t>‹nº›</a:t>
+              <a:t>‹#›</a:t>
             </a:fld>
             <a:endParaRPr lang="pt-PT"/>
           </a:p>
@@ -2523,7 +2523,7 @@
             <a:fld id="{588C7687-5EDF-4AA9-BD1C-81402CE562A2}" type="datetimeFigureOut">
               <a:rPr lang="pt-PT" smtClean="0"/>
               <a:pPr/>
-              <a:t>16-04-2013</a:t>
+              <a:t>16/04/13</a:t>
             </a:fld>
             <a:endParaRPr lang="pt-PT"/>
           </a:p>
@@ -2566,7 +2566,7 @@
             <a:fld id="{9006E873-8FB2-4696-A080-76C8B79323E9}" type="slidenum">
               <a:rPr lang="pt-PT" smtClean="0"/>
               <a:pPr/>
-              <a:t>‹nº›</a:t>
+              <a:t>‹#›</a:t>
             </a:fld>
             <a:endParaRPr lang="pt-PT"/>
           </a:p>
@@ -2761,7 +2761,7 @@
             <a:fld id="{588C7687-5EDF-4AA9-BD1C-81402CE562A2}" type="datetimeFigureOut">
               <a:rPr lang="pt-PT" smtClean="0"/>
               <a:pPr/>
-              <a:t>16-04-2013</a:t>
+              <a:t>16/04/13</a:t>
             </a:fld>
             <a:endParaRPr lang="pt-PT"/>
           </a:p>
@@ -2804,7 +2804,7 @@
             <a:fld id="{9006E873-8FB2-4696-A080-76C8B79323E9}" type="slidenum">
               <a:rPr lang="pt-PT" smtClean="0"/>
               <a:pPr/>
-              <a:t>‹nº›</a:t>
+              <a:t>‹#›</a:t>
             </a:fld>
             <a:endParaRPr lang="pt-PT"/>
           </a:p>
@@ -3086,7 +3086,7 @@
             <a:fld id="{588C7687-5EDF-4AA9-BD1C-81402CE562A2}" type="datetimeFigureOut">
               <a:rPr lang="pt-PT" smtClean="0"/>
               <a:pPr/>
-              <a:t>16-04-2013</a:t>
+              <a:t>16/04/13</a:t>
             </a:fld>
             <a:endParaRPr lang="pt-PT"/>
           </a:p>
@@ -3110,7 +3110,7 @@
             <a:fld id="{9006E873-8FB2-4696-A080-76C8B79323E9}" type="slidenum">
               <a:rPr lang="pt-PT" smtClean="0"/>
               <a:pPr/>
-              <a:t>‹nº›</a:t>
+              <a:t>‹#›</a:t>
             </a:fld>
             <a:endParaRPr lang="pt-PT"/>
           </a:p>
@@ -3178,7 +3178,7 @@
             <a:fld id="{588C7687-5EDF-4AA9-BD1C-81402CE562A2}" type="datetimeFigureOut">
               <a:rPr lang="pt-PT" smtClean="0"/>
               <a:pPr/>
-              <a:t>16-04-2013</a:t>
+              <a:t>16/04/13</a:t>
             </a:fld>
             <a:endParaRPr lang="pt-PT"/>
           </a:p>
@@ -3221,7 +3221,7 @@
             <a:fld id="{9006E873-8FB2-4696-A080-76C8B79323E9}" type="slidenum">
               <a:rPr lang="pt-PT" smtClean="0"/>
               <a:pPr/>
-              <a:t>‹nº›</a:t>
+              <a:t>‹#›</a:t>
             </a:fld>
             <a:endParaRPr lang="pt-PT"/>
           </a:p>
@@ -3697,7 +3697,7 @@
             <a:fld id="{588C7687-5EDF-4AA9-BD1C-81402CE562A2}" type="datetimeFigureOut">
               <a:rPr lang="pt-PT" smtClean="0"/>
               <a:pPr/>
-              <a:t>16-04-2013</a:t>
+              <a:t>16/04/13</a:t>
             </a:fld>
             <a:endParaRPr lang="pt-PT"/>
           </a:p>
@@ -3721,7 +3721,7 @@
             <a:fld id="{9006E873-8FB2-4696-A080-76C8B79323E9}" type="slidenum">
               <a:rPr lang="pt-PT" smtClean="0"/>
               <a:pPr/>
-              <a:t>‹nº›</a:t>
+              <a:t>‹#›</a:t>
             </a:fld>
             <a:endParaRPr lang="pt-PT"/>
           </a:p>
@@ -4210,7 +4210,7 @@
             <a:fld id="{588C7687-5EDF-4AA9-BD1C-81402CE562A2}" type="datetimeFigureOut">
               <a:rPr lang="pt-PT" smtClean="0"/>
               <a:pPr/>
-              <a:t>16-04-2013</a:t>
+              <a:t>16/04/13</a:t>
             </a:fld>
             <a:endParaRPr lang="pt-PT"/>
           </a:p>
@@ -4234,7 +4234,7 @@
             <a:fld id="{9006E873-8FB2-4696-A080-76C8B79323E9}" type="slidenum">
               <a:rPr lang="pt-PT" smtClean="0"/>
               <a:pPr/>
-              <a:t>‹nº›</a:t>
+              <a:t>‹#›</a:t>
             </a:fld>
             <a:endParaRPr lang="pt-PT"/>
           </a:p>
@@ -4457,7 +4457,7 @@
             <a:fld id="{588C7687-5EDF-4AA9-BD1C-81402CE562A2}" type="datetimeFigureOut">
               <a:rPr lang="pt-PT" smtClean="0"/>
               <a:pPr/>
-              <a:t>16-04-2013</a:t>
+              <a:t>16/04/13</a:t>
             </a:fld>
             <a:endParaRPr lang="pt-PT"/>
           </a:p>
@@ -4734,7 +4734,7 @@
             <a:fld id="{9006E873-8FB2-4696-A080-76C8B79323E9}" type="slidenum">
               <a:rPr lang="pt-PT" smtClean="0"/>
               <a:pPr/>
-              <a:t>‹nº›</a:t>
+              <a:t>‹#›</a:t>
             </a:fld>
             <a:endParaRPr lang="pt-PT"/>
           </a:p>
@@ -5106,8 +5106,8 @@
               <a:t>Análise de </a:t>
             </a:r>
             <a:r>
-              <a:rPr lang="pt-PT" dirty="0" err="1" smtClean="0"/>
-              <a:t>requesitos</a:t>
+              <a:rPr lang="pt-PT" dirty="0" smtClean="0"/>
+              <a:t>requisitos</a:t>
             </a:r>
             <a:endParaRPr lang="pt-PT" dirty="0"/>
           </a:p>
@@ -5585,11 +5585,7 @@
           <a:p>
             <a:r>
               <a:rPr lang="pt-PT" dirty="0" smtClean="0"/>
-              <a:t>UML – D.A. – Comentar </a:t>
-            </a:r>
-            <a:r>
-              <a:rPr lang="pt-PT" dirty="0" smtClean="0"/>
-              <a:t>Ocorrência </a:t>
+              <a:t>UML – D.A. – Comentar Ocorrência </a:t>
             </a:r>
             <a:endParaRPr lang="pt-PT" dirty="0"/>
           </a:p>
@@ -5660,11 +5656,7 @@
           <a:p>
             <a:r>
               <a:rPr lang="pt-PT" dirty="0" smtClean="0"/>
-              <a:t>UML – D.A. – Criar </a:t>
-            </a:r>
-            <a:r>
-              <a:rPr lang="pt-PT" dirty="0" smtClean="0"/>
-              <a:t>Ocorrência</a:t>
+              <a:t>UML – D.A. – Criar Ocorrência</a:t>
             </a:r>
             <a:endParaRPr lang="pt-PT" dirty="0"/>
           </a:p>
@@ -5806,11 +5798,7 @@
           <a:p>
             <a:r>
               <a:rPr lang="pt-PT" dirty="0" smtClean="0"/>
-              <a:t>UML – D.A. – Procurar </a:t>
-            </a:r>
-            <a:r>
-              <a:rPr lang="pt-PT" dirty="0" smtClean="0"/>
-              <a:t>Ocorrências</a:t>
+              <a:t>UML – D.A. – Procurar Ocorrências</a:t>
             </a:r>
             <a:endParaRPr lang="pt-PT" dirty="0"/>
           </a:p>
@@ -6053,11 +6041,7 @@
           <a:p>
             <a:r>
               <a:rPr lang="pt-PT" dirty="0" smtClean="0"/>
-              <a:t>UML – D.S. – Classificar </a:t>
-            </a:r>
-            <a:r>
-              <a:rPr lang="pt-PT" dirty="0" smtClean="0"/>
-              <a:t>Ocorrência </a:t>
+              <a:t>UML – D.S. – Classificar Ocorrência </a:t>
             </a:r>
             <a:endParaRPr lang="pt-PT" dirty="0"/>
           </a:p>
@@ -6128,11 +6112,7 @@
           <a:p>
             <a:r>
               <a:rPr lang="pt-PT" dirty="0" smtClean="0"/>
-              <a:t>UML – D.S. – Comentar </a:t>
-            </a:r>
-            <a:r>
-              <a:rPr lang="pt-PT" dirty="0" smtClean="0"/>
-              <a:t>Ocorrência</a:t>
+              <a:t>UML – D.S. – Comentar Ocorrência</a:t>
             </a:r>
             <a:endParaRPr lang="pt-PT" dirty="0"/>
           </a:p>
@@ -6203,11 +6183,7 @@
           <a:p>
             <a:r>
               <a:rPr lang="pt-PT" dirty="0" smtClean="0"/>
-              <a:t>UML – D.S. – Consultar </a:t>
-            </a:r>
-            <a:r>
-              <a:rPr lang="pt-PT" dirty="0" smtClean="0"/>
-              <a:t>Estatísticas</a:t>
+              <a:t>UML – D.S. – Consultar Estatísticas</a:t>
             </a:r>
             <a:endParaRPr lang="pt-PT" dirty="0"/>
           </a:p>
@@ -6278,11 +6254,7 @@
           <a:p>
             <a:r>
               <a:rPr lang="pt-PT" dirty="0" smtClean="0"/>
-              <a:t>UML – D.S. – Consultar </a:t>
-            </a:r>
-            <a:r>
-              <a:rPr lang="pt-PT" dirty="0" smtClean="0"/>
-              <a:t>Ocorrências</a:t>
+              <a:t>UML – D.S. – Consultar Ocorrências</a:t>
             </a:r>
             <a:endParaRPr lang="pt-PT" dirty="0"/>
           </a:p>
@@ -6566,11 +6538,7 @@
           <a:p>
             <a:r>
               <a:rPr lang="pt-PT" dirty="0" smtClean="0"/>
-              <a:t>UML – D.S. – Fechar </a:t>
-            </a:r>
-            <a:r>
-              <a:rPr lang="pt-PT" dirty="0" smtClean="0"/>
-              <a:t>Ocorrência</a:t>
+              <a:t>UML – D.S. – Fechar Ocorrência</a:t>
             </a:r>
             <a:endParaRPr lang="pt-PT" dirty="0"/>
           </a:p>
@@ -6879,11 +6847,7 @@
             </a:r>
             <a:r>
               <a:rPr lang="pt-PT" smtClean="0"/>
-              <a:t>Reportar </a:t>
-            </a:r>
-            <a:r>
-              <a:rPr lang="pt-PT" smtClean="0"/>
-              <a:t>Ocorrência</a:t>
+              <a:t>Reportar Ocorrência</a:t>
             </a:r>
             <a:endParaRPr lang="pt-PT" dirty="0"/>
           </a:p>
